--- a/Training Materials/Week 2/Day 1/3. Regular Expressions/Slides/regular-expressions-slides.pptx
+++ b/Training Materials/Week 2/Day 1/3. Regular Expressions/Slides/regular-expressions-slides.pptx
@@ -2537,7 +2537,7 @@
                   <a:srgbClr val="00B0F0"/>
                 </a:solidFill>
               </a:rPr>
-              <a:t>Email Id :- ex: shamia123@gmail.com is a valid email id. Check the presence of the @ symbol in the email address. Before the @ symbol; _ , - and . are allowed. Emails with domains with a max of 3 characters like .com or .in are also allowed.</a:t>
+              <a:t>Email Id :- ex: shamia123@gmail.com is a valid email id. Check the presence of the @ symbol in the email address. Before the @ symbol  _ , - and . are allowed. Emails with domains with a max of 3 characters like .com or .in are also allowed.</a:t>
             </a:r>
             <a:endParaRPr lang="en-US" sz="2400" b="1">
               <a:solidFill>
